--- a/07-cvicenie/cvicenie07.pptx
+++ b/07-cvicenie/cvicenie07.pptx
@@ -264,7 +264,7 @@
           <a:p>
             <a:fld id="{D6946893-D264-7849-A924-7AC57AA60E81}" type="datetimeFigureOut">
               <a:rPr lang="sk-SK" smtClean="0"/>
-              <a:t>2.11.19</a:t>
+              <a:t>4.11.19</a:t>
             </a:fld>
             <a:endParaRPr lang="sk-SK"/>
           </a:p>
@@ -464,7 +464,7 @@
           <a:p>
             <a:fld id="{D6946893-D264-7849-A924-7AC57AA60E81}" type="datetimeFigureOut">
               <a:rPr lang="sk-SK" smtClean="0"/>
-              <a:t>2.11.19</a:t>
+              <a:t>4.11.19</a:t>
             </a:fld>
             <a:endParaRPr lang="sk-SK"/>
           </a:p>
@@ -674,7 +674,7 @@
           <a:p>
             <a:fld id="{D6946893-D264-7849-A924-7AC57AA60E81}" type="datetimeFigureOut">
               <a:rPr lang="sk-SK" smtClean="0"/>
-              <a:t>2.11.19</a:t>
+              <a:t>4.11.19</a:t>
             </a:fld>
             <a:endParaRPr lang="sk-SK"/>
           </a:p>
@@ -874,7 +874,7 @@
           <a:p>
             <a:fld id="{D6946893-D264-7849-A924-7AC57AA60E81}" type="datetimeFigureOut">
               <a:rPr lang="sk-SK" smtClean="0"/>
-              <a:t>2.11.19</a:t>
+              <a:t>4.11.19</a:t>
             </a:fld>
             <a:endParaRPr lang="sk-SK"/>
           </a:p>
@@ -1150,7 +1150,7 @@
           <a:p>
             <a:fld id="{D6946893-D264-7849-A924-7AC57AA60E81}" type="datetimeFigureOut">
               <a:rPr lang="sk-SK" smtClean="0"/>
-              <a:t>2.11.19</a:t>
+              <a:t>4.11.19</a:t>
             </a:fld>
             <a:endParaRPr lang="sk-SK"/>
           </a:p>
@@ -1418,7 +1418,7 @@
           <a:p>
             <a:fld id="{D6946893-D264-7849-A924-7AC57AA60E81}" type="datetimeFigureOut">
               <a:rPr lang="sk-SK" smtClean="0"/>
-              <a:t>2.11.19</a:t>
+              <a:t>4.11.19</a:t>
             </a:fld>
             <a:endParaRPr lang="sk-SK"/>
           </a:p>
@@ -1833,7 +1833,7 @@
           <a:p>
             <a:fld id="{D6946893-D264-7849-A924-7AC57AA60E81}" type="datetimeFigureOut">
               <a:rPr lang="sk-SK" smtClean="0"/>
-              <a:t>2.11.19</a:t>
+              <a:t>4.11.19</a:t>
             </a:fld>
             <a:endParaRPr lang="sk-SK"/>
           </a:p>
@@ -1975,7 +1975,7 @@
           <a:p>
             <a:fld id="{D6946893-D264-7849-A924-7AC57AA60E81}" type="datetimeFigureOut">
               <a:rPr lang="sk-SK" smtClean="0"/>
-              <a:t>2.11.19</a:t>
+              <a:t>4.11.19</a:t>
             </a:fld>
             <a:endParaRPr lang="sk-SK"/>
           </a:p>
@@ -2088,7 +2088,7 @@
           <a:p>
             <a:fld id="{D6946893-D264-7849-A924-7AC57AA60E81}" type="datetimeFigureOut">
               <a:rPr lang="sk-SK" smtClean="0"/>
-              <a:t>2.11.19</a:t>
+              <a:t>4.11.19</a:t>
             </a:fld>
             <a:endParaRPr lang="sk-SK"/>
           </a:p>
@@ -2401,7 +2401,7 @@
           <a:p>
             <a:fld id="{D6946893-D264-7849-A924-7AC57AA60E81}" type="datetimeFigureOut">
               <a:rPr lang="sk-SK" smtClean="0"/>
-              <a:t>2.11.19</a:t>
+              <a:t>4.11.19</a:t>
             </a:fld>
             <a:endParaRPr lang="sk-SK"/>
           </a:p>
@@ -2690,7 +2690,7 @@
           <a:p>
             <a:fld id="{D6946893-D264-7849-A924-7AC57AA60E81}" type="datetimeFigureOut">
               <a:rPr lang="sk-SK" smtClean="0"/>
-              <a:t>2.11.19</a:t>
+              <a:t>4.11.19</a:t>
             </a:fld>
             <a:endParaRPr lang="sk-SK"/>
           </a:p>
@@ -2933,7 +2933,7 @@
           <a:p>
             <a:fld id="{D6946893-D264-7849-A924-7AC57AA60E81}" type="datetimeFigureOut">
               <a:rPr lang="sk-SK" smtClean="0"/>
-              <a:t>2.11.19</a:t>
+              <a:t>4.11.19</a:t>
             </a:fld>
             <a:endParaRPr lang="sk-SK"/>
           </a:p>
@@ -3507,27 +3507,6 @@
             </a:r>
           </a:p>
           <a:p>
-            <a:r>
-              <a:rPr lang="sk-SK" dirty="0" err="1"/>
-              <a:t>await-fixes</a:t>
-            </a:r>
-            <a:r>
-              <a:rPr lang="sk-SK" dirty="0"/>
-              <a:t> - 3 body</a:t>
-            </a:r>
-          </a:p>
-          <a:p>
-            <a:pPr lvl="1"/>
-            <a:r>
-              <a:rPr lang="sk-SK" dirty="0" err="1"/>
-              <a:t>kod</a:t>
-            </a:r>
-            <a:r>
-              <a:rPr lang="sk-SK" dirty="0"/>
-              <a:t> + test</a:t>
-            </a:r>
-          </a:p>
-          <a:p>
             <a:pPr marL="0" indent="0">
               <a:buNone/>
             </a:pPr>
